--- a/Article/Note/mongodb/img/img.pptx
+++ b/Article/Note/mongodb/img/img.pptx
@@ -6,13 +6,14 @@
   </p:sldMasterIdLst>
   <p:sldIdLst>
     <p:sldId id="263" r:id="rId2"/>
-    <p:sldId id="256" r:id="rId3"/>
-    <p:sldId id="257" r:id="rId4"/>
-    <p:sldId id="258" r:id="rId5"/>
-    <p:sldId id="259" r:id="rId6"/>
-    <p:sldId id="260" r:id="rId7"/>
-    <p:sldId id="261" r:id="rId8"/>
-    <p:sldId id="262" r:id="rId9"/>
+    <p:sldId id="264" r:id="rId3"/>
+    <p:sldId id="256" r:id="rId4"/>
+    <p:sldId id="257" r:id="rId5"/>
+    <p:sldId id="258" r:id="rId6"/>
+    <p:sldId id="259" r:id="rId7"/>
+    <p:sldId id="260" r:id="rId8"/>
+    <p:sldId id="261" r:id="rId9"/>
+    <p:sldId id="262" r:id="rId10"/>
   </p:sldIdLst>
   <p:sldSz cx="12192000" cy="6858000"/>
   <p:notesSz cx="6858000" cy="9144000"/>
@@ -111,6 +112,22 @@
       </a:defRPr>
     </a:lvl9pPr>
   </p:defaultTextStyle>
+  <p:extLst>
+    <p:ext uri="{EFAFB233-063F-42B5-8137-9DF3F51BA10A}">
+      <p15:sldGuideLst xmlns:p15="http://schemas.microsoft.com/office/powerpoint/2012/main">
+        <p15:guide id="1" orient="horz" pos="2160" userDrawn="1">
+          <p15:clr>
+            <a:srgbClr val="A4A3A4"/>
+          </p15:clr>
+        </p15:guide>
+        <p15:guide id="2" pos="3840" userDrawn="1">
+          <p15:clr>
+            <a:srgbClr val="A4A3A4"/>
+          </p15:clr>
+        </p15:guide>
+      </p15:sldGuideLst>
+    </p:ext>
+  </p:extLst>
 </p:presentation>
 </file>
 
@@ -3314,6 +3331,14 @@
 <file path=ppt/slides/slide1.xml><?xml version="1.0" encoding="utf-8"?>
 <p:sld xmlns:a="http://schemas.openxmlformats.org/drawingml/2006/main" xmlns:r="http://schemas.openxmlformats.org/officeDocument/2006/relationships" xmlns:p="http://schemas.openxmlformats.org/presentationml/2006/main">
   <p:cSld>
+    <p:bg>
+      <p:bgPr>
+        <a:solidFill>
+          <a:srgbClr val="343536"/>
+        </a:solidFill>
+        <a:effectLst/>
+      </p:bgPr>
+    </p:bg>
     <p:spTree>
       <p:nvGrpSpPr>
         <p:cNvPr id="1" name=""/>
@@ -3328,6 +3353,102 @@
           <a:chExt cx="0" cy="0"/>
         </a:xfrm>
       </p:grpSpPr>
+      <p:pic>
+        <p:nvPicPr>
+          <p:cNvPr id="8198" name="Picture 6" descr="安装MongoDB — MongoDB Manual 3.4">
+            <a:extLst>
+              <a:ext uri="{FF2B5EF4-FFF2-40B4-BE49-F238E27FC236}">
+                <a16:creationId xmlns:a16="http://schemas.microsoft.com/office/drawing/2014/main" id="{ABA35039-8D1A-B54E-B96F-87EE4B64BDC7}"/>
+              </a:ext>
+            </a:extLst>
+          </p:cNvPr>
+          <p:cNvPicPr>
+            <a:picLocks noChangeAspect="1" noChangeArrowheads="1"/>
+          </p:cNvPicPr>
+          <p:nvPr/>
+        </p:nvPicPr>
+        <p:blipFill>
+          <a:blip r:embed="rId2">
+            <a:extLst>
+              <a:ext uri="{28A0092B-C50C-407E-A947-70E740481C1C}">
+                <a14:useLocalDpi xmlns:a14="http://schemas.microsoft.com/office/drawing/2010/main" val="0"/>
+              </a:ext>
+            </a:extLst>
+          </a:blip>
+          <a:srcRect/>
+          <a:stretch>
+            <a:fillRect/>
+          </a:stretch>
+        </p:blipFill>
+        <p:spPr bwMode="auto">
+          <a:xfrm>
+            <a:off x="3722473" y="2306006"/>
+            <a:ext cx="4747054" cy="1289369"/>
+          </a:xfrm>
+          <a:prstGeom prst="rect">
+            <a:avLst/>
+          </a:prstGeom>
+          <a:noFill/>
+          <a:extLst>
+            <a:ext uri="{909E8E84-426E-40DD-AFC4-6F175D3DCCD1}">
+              <a14:hiddenFill xmlns:a14="http://schemas.microsoft.com/office/drawing/2010/main">
+                <a:solidFill>
+                  <a:srgbClr val="FFFFFF"/>
+                </a:solidFill>
+              </a14:hiddenFill>
+            </a:ext>
+          </a:extLst>
+        </p:spPr>
+      </p:pic>
+      <p:sp>
+        <p:nvSpPr>
+          <p:cNvPr id="13" name="TextBox 12">
+            <a:extLst>
+              <a:ext uri="{FF2B5EF4-FFF2-40B4-BE49-F238E27FC236}">
+                <a16:creationId xmlns:a16="http://schemas.microsoft.com/office/drawing/2014/main" id="{B49522BC-DE7D-2C46-A138-024056B71314}"/>
+              </a:ext>
+            </a:extLst>
+          </p:cNvPr>
+          <p:cNvSpPr txBox="1"/>
+          <p:nvPr/>
+        </p:nvSpPr>
+        <p:spPr>
+          <a:xfrm>
+            <a:off x="3547514" y="3683057"/>
+            <a:ext cx="5096972" cy="646331"/>
+          </a:xfrm>
+          <a:prstGeom prst="rect">
+            <a:avLst/>
+          </a:prstGeom>
+          <a:noFill/>
+        </p:spPr>
+        <p:txBody>
+          <a:bodyPr wrap="square" rtlCol="0">
+            <a:spAutoFit/>
+          </a:bodyPr>
+          <a:lstStyle/>
+          <a:p>
+            <a:pPr algn="ctr"/>
+            <a:r>
+              <a:rPr kumimoji="1" lang="en-US" altLang="ko-KR" sz="3600" dirty="0">
+                <a:solidFill>
+                  <a:schemeClr val="bg1"/>
+                </a:solidFill>
+                <a:latin typeface="11Street Gothic-Kor" panose="020B0600000101010101" pitchFamily="34" charset="-127"/>
+                <a:ea typeface="11Street Gothic-Kor" panose="020B0600000101010101" pitchFamily="34" charset="-127"/>
+              </a:rPr>
+              <a:t>CERTIFICATOIN</a:t>
+            </a:r>
+            <a:endParaRPr kumimoji="1" lang="ko-KR" altLang="en-US" sz="3600" dirty="0">
+              <a:solidFill>
+                <a:schemeClr val="bg1"/>
+              </a:solidFill>
+              <a:latin typeface="11Street Gothic-Kor" panose="020B0600000101010101" pitchFamily="34" charset="-127"/>
+              <a:ea typeface="11Street Gothic-Kor" panose="020B0600000101010101" pitchFamily="34" charset="-127"/>
+            </a:endParaRPr>
+          </a:p>
+        </p:txBody>
+      </p:sp>
     </p:spTree>
     <p:extLst>
       <p:ext uri="{BB962C8B-B14F-4D97-AF65-F5344CB8AC3E}">
@@ -3342,6 +3463,217 @@
 </file>
 
 <file path=ppt/slides/slide2.xml><?xml version="1.0" encoding="utf-8"?>
+<p:sld xmlns:a="http://schemas.openxmlformats.org/drawingml/2006/main" xmlns:r="http://schemas.openxmlformats.org/officeDocument/2006/relationships" xmlns:p="http://schemas.openxmlformats.org/presentationml/2006/main">
+  <p:cSld>
+    <p:bg>
+      <p:bgPr>
+        <a:solidFill>
+          <a:srgbClr val="343536"/>
+        </a:solidFill>
+        <a:effectLst/>
+      </p:bgPr>
+    </p:bg>
+    <p:spTree>
+      <p:nvGrpSpPr>
+        <p:cNvPr id="1" name=""/>
+        <p:cNvGrpSpPr/>
+        <p:nvPr/>
+      </p:nvGrpSpPr>
+      <p:grpSpPr>
+        <a:xfrm>
+          <a:off x="0" y="0"/>
+          <a:ext cx="0" cy="0"/>
+          <a:chOff x="0" y="0"/>
+          <a:chExt cx="0" cy="0"/>
+        </a:xfrm>
+      </p:grpSpPr>
+      <p:sp>
+        <p:nvSpPr>
+          <p:cNvPr id="6" name="TextBox 5">
+            <a:extLst>
+              <a:ext uri="{FF2B5EF4-FFF2-40B4-BE49-F238E27FC236}">
+                <a16:creationId xmlns:a16="http://schemas.microsoft.com/office/drawing/2014/main" id="{54B30277-C4D0-6F45-A360-F8228BFAD908}"/>
+              </a:ext>
+            </a:extLst>
+          </p:cNvPr>
+          <p:cNvSpPr txBox="1"/>
+          <p:nvPr/>
+        </p:nvSpPr>
+        <p:spPr>
+          <a:xfrm>
+            <a:off x="4657219" y="3544967"/>
+            <a:ext cx="5096972" cy="769441"/>
+          </a:xfrm>
+          <a:prstGeom prst="rect">
+            <a:avLst/>
+          </a:prstGeom>
+          <a:noFill/>
+        </p:spPr>
+        <p:txBody>
+          <a:bodyPr wrap="square" rtlCol="0">
+            <a:spAutoFit/>
+          </a:bodyPr>
+          <a:lstStyle/>
+          <a:p>
+            <a:pPr algn="ctr"/>
+            <a:r>
+              <a:rPr kumimoji="1" lang="en-US" altLang="ko-KR" sz="4400" dirty="0">
+                <a:solidFill>
+                  <a:schemeClr val="bg1"/>
+                </a:solidFill>
+                <a:latin typeface="11Street Gothic-Kor" panose="020B0600000101010101" pitchFamily="34" charset="-127"/>
+                <a:ea typeface="11Street Gothic-Kor" panose="020B0600000101010101" pitchFamily="34" charset="-127"/>
+              </a:rPr>
+              <a:t>CERTIFICATOIN</a:t>
+            </a:r>
+            <a:endParaRPr kumimoji="1" lang="ko-KR" altLang="en-US" sz="4400" dirty="0">
+              <a:solidFill>
+                <a:schemeClr val="bg1"/>
+              </a:solidFill>
+              <a:latin typeface="11Street Gothic-Kor" panose="020B0600000101010101" pitchFamily="34" charset="-127"/>
+              <a:ea typeface="11Street Gothic-Kor" panose="020B0600000101010101" pitchFamily="34" charset="-127"/>
+            </a:endParaRPr>
+          </a:p>
+        </p:txBody>
+      </p:sp>
+      <p:pic>
+        <p:nvPicPr>
+          <p:cNvPr id="3" name="그림 2">
+            <a:extLst>
+              <a:ext uri="{FF2B5EF4-FFF2-40B4-BE49-F238E27FC236}">
+                <a16:creationId xmlns:a16="http://schemas.microsoft.com/office/drawing/2014/main" id="{038EE675-29BC-EF4F-96A4-1B03F6C5341E}"/>
+              </a:ext>
+            </a:extLst>
+          </p:cNvPr>
+          <p:cNvPicPr>
+            <a:picLocks noChangeAspect="1"/>
+          </p:cNvPicPr>
+          <p:nvPr/>
+        </p:nvPicPr>
+        <p:blipFill>
+          <a:blip r:embed="rId2"/>
+          <a:stretch>
+            <a:fillRect/>
+          </a:stretch>
+        </p:blipFill>
+        <p:spPr>
+          <a:xfrm>
+            <a:off x="3779781" y="1923755"/>
+            <a:ext cx="1169917" cy="2584604"/>
+          </a:xfrm>
+          <a:prstGeom prst="rect">
+            <a:avLst/>
+          </a:prstGeom>
+        </p:spPr>
+      </p:pic>
+      <p:pic>
+        <p:nvPicPr>
+          <p:cNvPr id="7" name="Picture 6" descr="安装MongoDB — MongoDB Manual 3.4">
+            <a:extLst>
+              <a:ext uri="{FF2B5EF4-FFF2-40B4-BE49-F238E27FC236}">
+                <a16:creationId xmlns:a16="http://schemas.microsoft.com/office/drawing/2014/main" id="{E029AADB-F9A7-184D-B63D-D8D30818CEC7}"/>
+              </a:ext>
+            </a:extLst>
+          </p:cNvPr>
+          <p:cNvPicPr>
+            <a:picLocks noChangeAspect="1" noChangeArrowheads="1"/>
+          </p:cNvPicPr>
+          <p:nvPr/>
+        </p:nvPicPr>
+        <p:blipFill rotWithShape="1">
+          <a:blip r:embed="rId3">
+            <a:extLst>
+              <a:ext uri="{28A0092B-C50C-407E-A947-70E740481C1C}">
+                <a14:useLocalDpi xmlns:a14="http://schemas.microsoft.com/office/drawing/2010/main" val="0"/>
+              </a:ext>
+            </a:extLst>
+          </a:blip>
+          <a:srcRect l="13417"/>
+          <a:stretch/>
+        </p:blipFill>
+        <p:spPr bwMode="auto">
+          <a:xfrm>
+            <a:off x="6571989" y="508314"/>
+            <a:ext cx="5295959" cy="1661364"/>
+          </a:xfrm>
+          <a:prstGeom prst="rect">
+            <a:avLst/>
+          </a:prstGeom>
+          <a:noFill/>
+          <a:extLst>
+            <a:ext uri="{909E8E84-426E-40DD-AFC4-6F175D3DCCD1}">
+              <a14:hiddenFill xmlns:a14="http://schemas.microsoft.com/office/drawing/2010/main">
+                <a:solidFill>
+                  <a:srgbClr val="FFFFFF"/>
+                </a:solidFill>
+              </a14:hiddenFill>
+            </a:ext>
+          </a:extLst>
+        </p:spPr>
+      </p:pic>
+      <p:sp>
+        <p:nvSpPr>
+          <p:cNvPr id="8" name="TextBox 7">
+            <a:extLst>
+              <a:ext uri="{FF2B5EF4-FFF2-40B4-BE49-F238E27FC236}">
+                <a16:creationId xmlns:a16="http://schemas.microsoft.com/office/drawing/2014/main" id="{62AE94AC-E59B-F245-A860-A7047017A08D}"/>
+              </a:ext>
+            </a:extLst>
+          </p:cNvPr>
+          <p:cNvSpPr txBox="1"/>
+          <p:nvPr/>
+        </p:nvSpPr>
+        <p:spPr>
+          <a:xfrm>
+            <a:off x="4364739" y="2611250"/>
+            <a:ext cx="5096972" cy="1015663"/>
+          </a:xfrm>
+          <a:prstGeom prst="rect">
+            <a:avLst/>
+          </a:prstGeom>
+          <a:noFill/>
+        </p:spPr>
+        <p:txBody>
+          <a:bodyPr wrap="square" rtlCol="0">
+            <a:spAutoFit/>
+          </a:bodyPr>
+          <a:lstStyle/>
+          <a:p>
+            <a:pPr algn="ctr"/>
+            <a:r>
+              <a:rPr kumimoji="1" lang="en-US" altLang="ko-KR" sz="6000" dirty="0" err="1">
+                <a:solidFill>
+                  <a:schemeClr val="bg1"/>
+                </a:solidFill>
+                <a:latin typeface="11Street Gothic-Kor" panose="020B0600000101010101" pitchFamily="34" charset="-127"/>
+                <a:ea typeface="11Street Gothic-Kor" panose="020B0600000101010101" pitchFamily="34" charset="-127"/>
+              </a:rPr>
+              <a:t>mongoDB</a:t>
+            </a:r>
+            <a:endParaRPr kumimoji="1" lang="ko-KR" altLang="en-US" sz="6000" dirty="0">
+              <a:solidFill>
+                <a:schemeClr val="bg1"/>
+              </a:solidFill>
+              <a:latin typeface="11Street Gothic-Kor" panose="020B0600000101010101" pitchFamily="34" charset="-127"/>
+              <a:ea typeface="11Street Gothic-Kor" panose="020B0600000101010101" pitchFamily="34" charset="-127"/>
+            </a:endParaRPr>
+          </a:p>
+        </p:txBody>
+      </p:sp>
+    </p:spTree>
+    <p:extLst>
+      <p:ext uri="{BB962C8B-B14F-4D97-AF65-F5344CB8AC3E}">
+        <p14:creationId xmlns:p14="http://schemas.microsoft.com/office/powerpoint/2010/main" val="2275187794"/>
+      </p:ext>
+    </p:extLst>
+  </p:cSld>
+  <p:clrMapOvr>
+    <a:masterClrMapping/>
+  </p:clrMapOvr>
+</p:sld>
+</file>
+
+<file path=ppt/slides/slide3.xml><?xml version="1.0" encoding="utf-8"?>
 <p:sld xmlns:a="http://schemas.openxmlformats.org/drawingml/2006/main" xmlns:r="http://schemas.openxmlformats.org/officeDocument/2006/relationships" xmlns:p="http://schemas.openxmlformats.org/presentationml/2006/main">
   <p:cSld>
     <p:spTree>
@@ -3401,7 +3733,7 @@
 </p:sld>
 </file>
 
-<file path=ppt/slides/slide3.xml><?xml version="1.0" encoding="utf-8"?>
+<file path=ppt/slides/slide4.xml><?xml version="1.0" encoding="utf-8"?>
 <p:sld xmlns:a="http://schemas.openxmlformats.org/drawingml/2006/main" xmlns:r="http://schemas.openxmlformats.org/officeDocument/2006/relationships" xmlns:p="http://schemas.openxmlformats.org/presentationml/2006/main">
   <p:cSld>
     <p:spTree>
@@ -3460,7 +3792,7 @@
 </p:sld>
 </file>
 
-<file path=ppt/slides/slide4.xml><?xml version="1.0" encoding="utf-8"?>
+<file path=ppt/slides/slide5.xml><?xml version="1.0" encoding="utf-8"?>
 <p:sld xmlns:a="http://schemas.openxmlformats.org/drawingml/2006/main" xmlns:r="http://schemas.openxmlformats.org/officeDocument/2006/relationships" xmlns:p="http://schemas.openxmlformats.org/presentationml/2006/main">
   <p:cSld>
     <p:spTree>
@@ -3520,7 +3852,7 @@
 </p:sld>
 </file>
 
-<file path=ppt/slides/slide5.xml><?xml version="1.0" encoding="utf-8"?>
+<file path=ppt/slides/slide6.xml><?xml version="1.0" encoding="utf-8"?>
 <p:sld xmlns:a="http://schemas.openxmlformats.org/drawingml/2006/main" xmlns:r="http://schemas.openxmlformats.org/officeDocument/2006/relationships" xmlns:p="http://schemas.openxmlformats.org/presentationml/2006/main">
   <p:cSld>
     <p:spTree>
@@ -3580,7 +3912,7 @@
 </p:sld>
 </file>
 
-<file path=ppt/slides/slide6.xml><?xml version="1.0" encoding="utf-8"?>
+<file path=ppt/slides/slide7.xml><?xml version="1.0" encoding="utf-8"?>
 <p:sld xmlns:a="http://schemas.openxmlformats.org/drawingml/2006/main" xmlns:r="http://schemas.openxmlformats.org/officeDocument/2006/relationships" xmlns:p="http://schemas.openxmlformats.org/presentationml/2006/main">
   <p:cSld>
     <p:spTree>
@@ -3640,7 +3972,7 @@
 </p:sld>
 </file>
 
-<file path=ppt/slides/slide7.xml><?xml version="1.0" encoding="utf-8"?>
+<file path=ppt/slides/slide8.xml><?xml version="1.0" encoding="utf-8"?>
 <p:sld xmlns:a="http://schemas.openxmlformats.org/drawingml/2006/main" xmlns:r="http://schemas.openxmlformats.org/officeDocument/2006/relationships" xmlns:p="http://schemas.openxmlformats.org/presentationml/2006/main">
   <p:cSld>
     <p:spTree>
@@ -3730,7 +4062,7 @@
 </p:sld>
 </file>
 
-<file path=ppt/slides/slide8.xml><?xml version="1.0" encoding="utf-8"?>
+<file path=ppt/slides/slide9.xml><?xml version="1.0" encoding="utf-8"?>
 <p:sld xmlns:a="http://schemas.openxmlformats.org/drawingml/2006/main" xmlns:r="http://schemas.openxmlformats.org/officeDocument/2006/relationships" xmlns:p="http://schemas.openxmlformats.org/presentationml/2006/main">
   <p:cSld>
     <p:spTree>
